--- a/presentation/Personalize Your Flat (mac).pptx
+++ b/presentation/Personalize Your Flat (mac).pptx
@@ -6899,7 +6899,12 @@
             <p:ph idx="1"/>
           </p:nvPr>
         </p:nvSpPr>
-        <p:spPr/>
+        <p:spPr>
+          <a:xfrm>
+            <a:off x="685800" y="2194560"/>
+            <a:ext cx="10820400" cy="4413999"/>
+          </a:xfrm>
+        </p:spPr>
         <p:txBody>
           <a:bodyPr>
             <a:normAutofit/>
@@ -6955,6 +6960,12 @@
             <a:pPr marL="3657600" lvl="8" indent="0">
               <a:buNone/>
             </a:pPr>
+            <a:endParaRPr lang="en-US" sz="2200" dirty="0" smtClean="0"/>
+          </a:p>
+          <a:p>
+            <a:pPr marL="3657600" lvl="8" indent="0">
+              <a:buNone/>
+            </a:pPr>
             <a:endParaRPr lang="en-US" sz="2200" dirty="0"/>
           </a:p>
           <a:p>
@@ -6963,7 +6974,19 @@
             </a:pPr>
             <a:r>
               <a:rPr lang="en-US" sz="2200" dirty="0" smtClean="0"/>
-              <a:t>					Application</a:t>
+              <a:t>			</a:t>
+            </a:r>
+            <a:r>
+              <a:rPr lang="en-US" sz="2200" dirty="0"/>
+              <a:t> </a:t>
+            </a:r>
+            <a:r>
+              <a:rPr lang="en-US" sz="2200" dirty="0" smtClean="0"/>
+              <a:t>        </a:t>
+            </a:r>
+            <a:r>
+              <a:rPr lang="en-US" sz="2200" dirty="0" smtClean="0"/>
+              <a:t>Application</a:t>
             </a:r>
             <a:endParaRPr lang="en-CA" sz="2200" dirty="0"/>
           </a:p>
@@ -6985,8 +7008,38 @@
         </p:blipFill>
         <p:spPr>
           <a:xfrm>
-            <a:off x="381714" y="3399788"/>
+            <a:off x="757550" y="2816680"/>
             <a:ext cx="5714286" cy="2685714"/>
+          </a:xfrm>
+          <a:prstGeom prst="rect">
+            <a:avLst/>
+          </a:prstGeom>
+        </p:spPr>
+      </p:pic>
+      <p:pic>
+        <p:nvPicPr>
+          <p:cNvPr id="4" name="Picture 3" descr="screenshot_login.gif"/>
+          <p:cNvPicPr>
+            <a:picLocks noChangeAspect="1"/>
+          </p:cNvPicPr>
+          <p:nvPr/>
+        </p:nvPicPr>
+        <p:blipFill>
+          <a:blip r:embed="rId3">
+            <a:extLst>
+              <a:ext uri="{28A0092B-C50C-407E-A947-70E740481C1C}">
+                <a14:useLocalDpi xmlns:a14="http://schemas.microsoft.com/office/drawing/2010/main" val="0"/>
+              </a:ext>
+            </a:extLst>
+          </a:blip>
+          <a:stretch>
+            <a:fillRect/>
+          </a:stretch>
+        </p:blipFill>
+        <p:spPr>
+          <a:xfrm>
+            <a:off x="7509547" y="1995526"/>
+            <a:ext cx="2148953" cy="4072038"/>
           </a:xfrm>
           <a:prstGeom prst="rect">
             <a:avLst/>
@@ -7199,12 +7252,16 @@
             <a:endParaRPr lang="en-US" sz="6000" dirty="0" smtClean="0"/>
           </a:p>
           <a:p>
-            <a:pPr marL="0" indent="0">
+            <a:pPr marL="0" indent="0" algn="ctr">
               <a:buNone/>
             </a:pPr>
             <a:r>
               <a:rPr lang="en-US" sz="6000" dirty="0" smtClean="0"/>
-              <a:t>				Q &amp; A</a:t>
+              <a:t>Q </a:t>
+            </a:r>
+            <a:r>
+              <a:rPr lang="en-US" sz="6000" dirty="0" smtClean="0"/>
+              <a:t>&amp; A</a:t>
             </a:r>
             <a:endParaRPr lang="en-CA" sz="6000" dirty="0"/>
           </a:p>
@@ -7494,7 +7551,7 @@
   <a:extraClrSchemeLst/>
   <a:extLst>
     <a:ext uri="{05A4C25C-085E-4340-85A3-A5531E510DB2}">
-      <thm15:themeFamily xmlns:thm15="http://schemas.microsoft.com/office/thememl/2012/main" xmlns="" name="Vapor Trail" id="{4FDF2955-7D9C-493C-B9F9-C205151B46CD}" vid="{2B2A868B-6BC2-4B3E-98B9-1258F41035DE}"/>
+      <thm15:themeFamily xmlns="" xmlns:thm15="http://schemas.microsoft.com/office/thememl/2012/main" name="Vapor Trail" id="{4FDF2955-7D9C-493C-B9F9-C205151B46CD}" vid="{2B2A868B-6BC2-4B3E-98B9-1258F41035DE}"/>
     </a:ext>
   </a:extLst>
 </a:theme>

--- a/presentation/Personalize Your Flat (mac).pptx
+++ b/presentation/Personalize Your Flat (mac).pptx
@@ -110,6 +110,22 @@
       </a:defRPr>
     </a:lvl9pPr>
   </p:defaultTextStyle>
+  <p:extLst>
+    <p:ext uri="{EFAFB233-063F-42B5-8137-9DF3F51BA10A}">
+      <p15:sldGuideLst xmlns:p15="http://schemas.microsoft.com/office/powerpoint/2012/main">
+        <p15:guide id="1" orient="horz" pos="2160">
+          <p15:clr>
+            <a:srgbClr val="A4A3A4"/>
+          </p15:clr>
+        </p15:guide>
+        <p15:guide id="2" pos="3840">
+          <p15:clr>
+            <a:srgbClr val="A4A3A4"/>
+          </p15:clr>
+        </p15:guide>
+      </p15:sldGuideLst>
+    </p:ext>
+  </p:extLst>
 </p:presentation>
 </file>
 
@@ -283,7 +299,7 @@
           <a:p>
             <a:fld id="{48A87A34-81AB-432B-8DAE-1953F412C126}" type="datetimeFigureOut">
               <a:rPr lang="en-US" dirty="0"/>
-              <a:t>16-06-19</a:t>
+              <a:t>6/19/2016</a:t>
             </a:fld>
             <a:endParaRPr lang="en-US" dirty="0"/>
           </a:p>
@@ -545,7 +561,7 @@
           <a:p>
             <a:fld id="{48A87A34-81AB-432B-8DAE-1953F412C126}" type="datetimeFigureOut">
               <a:rPr lang="en-US" dirty="0"/>
-              <a:t>16-06-19</a:t>
+              <a:t>6/19/2016</a:t>
             </a:fld>
             <a:endParaRPr lang="en-US" dirty="0"/>
           </a:p>
@@ -772,7 +788,7 @@
             <a:fld id="{48A87A34-81AB-432B-8DAE-1953F412C126}" type="datetimeFigureOut">
               <a:rPr lang="en-US" dirty="0"/>
               <a:pPr/>
-              <a:t>16-06-19</a:t>
+              <a:t>6/19/2016</a:t>
             </a:fld>
             <a:endParaRPr lang="en-US" dirty="0"/>
           </a:p>
@@ -1078,7 +1094,7 @@
             <a:fld id="{48A87A34-81AB-432B-8DAE-1953F412C126}" type="datetimeFigureOut">
               <a:rPr lang="en-US" dirty="0"/>
               <a:pPr/>
-              <a:t>16-06-19</a:t>
+              <a:t>6/19/2016</a:t>
             </a:fld>
             <a:endParaRPr lang="en-US" dirty="0"/>
           </a:p>
@@ -1547,7 +1563,7 @@
             <a:fld id="{48A87A34-81AB-432B-8DAE-1953F412C126}" type="datetimeFigureOut">
               <a:rPr lang="en-US" dirty="0"/>
               <a:pPr/>
-              <a:t>16-06-19</a:t>
+              <a:t>6/19/2016</a:t>
             </a:fld>
             <a:endParaRPr lang="en-US" dirty="0"/>
           </a:p>
@@ -2089,7 +2105,7 @@
           <a:p>
             <a:fld id="{48A87A34-81AB-432B-8DAE-1953F412C126}" type="datetimeFigureOut">
               <a:rPr lang="en-US" dirty="0"/>
-              <a:t>16-06-19</a:t>
+              <a:t>6/19/2016</a:t>
             </a:fld>
             <a:endParaRPr lang="en-US" dirty="0"/>
           </a:p>
@@ -2858,7 +2874,7 @@
           <a:p>
             <a:fld id="{48A87A34-81AB-432B-8DAE-1953F412C126}" type="datetimeFigureOut">
               <a:rPr lang="en-US" dirty="0"/>
-              <a:t>16-06-19</a:t>
+              <a:t>6/19/2016</a:t>
             </a:fld>
             <a:endParaRPr lang="en-US" dirty="0"/>
           </a:p>
@@ -3028,7 +3044,7 @@
           <a:p>
             <a:fld id="{48A87A34-81AB-432B-8DAE-1953F412C126}" type="datetimeFigureOut">
               <a:rPr lang="en-US" dirty="0"/>
-              <a:t>16-06-19</a:t>
+              <a:t>6/19/2016</a:t>
             </a:fld>
             <a:endParaRPr lang="en-US" dirty="0"/>
           </a:p>
@@ -3247,7 +3263,7 @@
             <a:fld id="{48A87A34-81AB-432B-8DAE-1953F412C126}" type="datetimeFigureOut">
               <a:rPr lang="en-US" dirty="0"/>
               <a:pPr/>
-              <a:t>16-06-19</a:t>
+              <a:t>6/19/2016</a:t>
             </a:fld>
             <a:endParaRPr lang="en-US" dirty="0"/>
           </a:p>
@@ -3422,7 +3438,7 @@
           <a:p>
             <a:fld id="{48A87A34-81AB-432B-8DAE-1953F412C126}" type="datetimeFigureOut">
               <a:rPr lang="en-US" dirty="0"/>
-              <a:t>16-06-19</a:t>
+              <a:t>6/19/2016</a:t>
             </a:fld>
             <a:endParaRPr lang="en-US" dirty="0"/>
           </a:p>
@@ -3707,7 +3723,7 @@
             <a:fld id="{48A87A34-81AB-432B-8DAE-1953F412C126}" type="datetimeFigureOut">
               <a:rPr lang="en-US" dirty="0"/>
               <a:pPr/>
-              <a:t>16-06-19</a:t>
+              <a:t>6/19/2016</a:t>
             </a:fld>
             <a:endParaRPr lang="en-US" dirty="0"/>
           </a:p>
@@ -3944,7 +3960,7 @@
           <a:p>
             <a:fld id="{48A87A34-81AB-432B-8DAE-1953F412C126}" type="datetimeFigureOut">
               <a:rPr lang="en-US" dirty="0"/>
-              <a:t>16-06-19</a:t>
+              <a:t>6/19/2016</a:t>
             </a:fld>
             <a:endParaRPr lang="en-US" dirty="0"/>
           </a:p>
@@ -4318,7 +4334,7 @@
           <a:p>
             <a:fld id="{48A87A34-81AB-432B-8DAE-1953F412C126}" type="datetimeFigureOut">
               <a:rPr lang="en-US" dirty="0"/>
-              <a:t>16-06-19</a:t>
+              <a:t>6/19/2016</a:t>
             </a:fld>
             <a:endParaRPr lang="en-US" dirty="0"/>
           </a:p>
@@ -4431,7 +4447,7 @@
           <a:p>
             <a:fld id="{48A87A34-81AB-432B-8DAE-1953F412C126}" type="datetimeFigureOut">
               <a:rPr lang="en-US" dirty="0"/>
-              <a:t>16-06-19</a:t>
+              <a:t>6/19/2016</a:t>
             </a:fld>
             <a:endParaRPr lang="en-US" dirty="0"/>
           </a:p>
@@ -4521,7 +4537,7 @@
           <a:p>
             <a:fld id="{48A87A34-81AB-432B-8DAE-1953F412C126}" type="datetimeFigureOut">
               <a:rPr lang="en-US" dirty="0"/>
-              <a:t>16-06-19</a:t>
+              <a:t>6/19/2016</a:t>
             </a:fld>
             <a:endParaRPr lang="en-US" dirty="0"/>
           </a:p>
@@ -4765,7 +4781,7 @@
           <a:p>
             <a:fld id="{48A87A34-81AB-432B-8DAE-1953F412C126}" type="datetimeFigureOut">
               <a:rPr lang="en-US" dirty="0"/>
-              <a:t>16-06-19</a:t>
+              <a:t>6/19/2016</a:t>
             </a:fld>
             <a:endParaRPr lang="en-US" dirty="0"/>
           </a:p>
@@ -5017,7 +5033,7 @@
           <a:p>
             <a:fld id="{48A87A34-81AB-432B-8DAE-1953F412C126}" type="datetimeFigureOut">
               <a:rPr lang="en-US" dirty="0"/>
-              <a:t>16-06-19</a:t>
+              <a:t>6/19/2016</a:t>
             </a:fld>
             <a:endParaRPr lang="en-US" dirty="0"/>
           </a:p>
@@ -5256,7 +5272,7 @@
             <a:fld id="{48A87A34-81AB-432B-8DAE-1953F412C126}" type="datetimeFigureOut">
               <a:rPr lang="en-US" dirty="0"/>
               <a:pPr/>
-              <a:t>16-06-19</a:t>
+              <a:t>6/19/2016</a:t>
             </a:fld>
             <a:endParaRPr lang="en-US" dirty="0"/>
           </a:p>
@@ -5735,7 +5751,7 @@
   <p:timing>
     <p:tnLst>
       <p:par>
-        <p:cTn xmlns:p14="http://schemas.microsoft.com/office/powerpoint/2010/main" id="1" dur="indefinite" restart="never" nodeType="tmRoot"/>
+        <p:cTn id="1" dur="indefinite" restart="never" nodeType="tmRoot"/>
       </p:par>
     </p:tnLst>
   </p:timing>
@@ -5805,7 +5821,7 @@
         </p:spPr>
         <p:txBody>
           <a:bodyPr>
-            <a:normAutofit fontScale="92500" lnSpcReduction="10000"/>
+            <a:normAutofit fontScale="70000" lnSpcReduction="20000"/>
           </a:bodyPr>
           <a:lstStyle/>
           <a:p>
@@ -5854,6 +5870,16 @@
             <a:r>
               <a:rPr lang="en-US" dirty="0" err="1" smtClean="0"/>
               <a:t>donrakes</a:t>
+            </a:r>
+            <a:endParaRPr lang="en-US" dirty="0" smtClean="0"/>
+          </a:p>
+          <a:p>
+            <a:pPr marL="0" indent="0">
+              <a:buNone/>
+            </a:pPr>
+            <a:r>
+              <a:rPr lang="en-US" dirty="0" smtClean="0"/>
+              <a:t>www.zytix.com</a:t>
             </a:r>
             <a:endParaRPr lang="en-US" dirty="0"/>
           </a:p>
@@ -6542,7 +6568,7 @@
   <p:timing>
     <p:tnLst>
       <p:par>
-        <p:cTn xmlns:p14="http://schemas.microsoft.com/office/powerpoint/2010/main" id="1" dur="indefinite" restart="never" nodeType="tmRoot"/>
+        <p:cTn id="1" dur="indefinite" restart="never" nodeType="tmRoot"/>
       </p:par>
     </p:tnLst>
   </p:timing>
@@ -6583,7 +6609,7 @@
           <a:p>
             <a:r>
               <a:rPr lang="en-US" dirty="0" smtClean="0"/>
-              <a:t>Technology used</a:t>
+              <a:t>Technology</a:t>
             </a:r>
             <a:endParaRPr lang="en-CA" dirty="0"/>
           </a:p>
@@ -6663,7 +6689,20 @@
             </a:r>
             <a:r>
               <a:rPr lang="en-US" sz="2200" dirty="0" smtClean="0"/>
-              <a:t>			</a:t>
+              <a:t>	</a:t>
+            </a:r>
+            <a:r>
+              <a:rPr lang="en-US" sz="2200" dirty="0" smtClean="0"/>
+              <a:t>	</a:t>
+            </a:r>
+          </a:p>
+          <a:p>
+            <a:pPr marL="0" indent="0">
+              <a:buNone/>
+            </a:pPr>
+            <a:r>
+              <a:rPr lang="en-US" sz="2200" dirty="0" smtClean="0"/>
+              <a:t>		</a:t>
             </a:r>
           </a:p>
           <a:p>
@@ -6760,7 +6799,7 @@
           <a:noFill/>
           <a:extLst>
             <a:ext uri="{909E8E84-426E-40dd-AFC4-6F175D3DCCD1}">
-              <a14:hiddenFill xmlns:a14="http://schemas.microsoft.com/office/drawing/2010/main">
+              <a14:hiddenFill xmlns:a14="http://schemas.microsoft.com/office/drawing/2010/main" xmlns="">
                 <a:solidFill>
                   <a:srgbClr val="FFFFFF"/>
                 </a:solidFill>
@@ -6791,7 +6830,7 @@
         </p:blipFill>
         <p:spPr>
           <a:xfrm>
-            <a:off x="6096000" y="4206622"/>
+            <a:off x="6096000" y="4557904"/>
             <a:ext cx="1622738" cy="632121"/>
           </a:xfrm>
           <a:prstGeom prst="rect">
@@ -6821,7 +6860,7 @@
         </p:blipFill>
         <p:spPr>
           <a:xfrm>
-            <a:off x="7718738" y="5190025"/>
+            <a:off x="7454586" y="5589270"/>
             <a:ext cx="528303" cy="528303"/>
           </a:xfrm>
           <a:prstGeom prst="rect">
@@ -6842,7 +6881,7 @@
   <p:timing>
     <p:tnLst>
       <p:par>
-        <p:cTn xmlns:p14="http://schemas.microsoft.com/office/powerpoint/2010/main" id="1" dur="indefinite" restart="never" nodeType="tmRoot"/>
+        <p:cTn id="1" dur="indefinite" restart="never" nodeType="tmRoot"/>
       </p:par>
     </p:tnLst>
   </p:timing>
@@ -6982,11 +7021,7 @@
             </a:r>
             <a:r>
               <a:rPr lang="en-US" sz="2200" dirty="0" smtClean="0"/>
-              <a:t>        </a:t>
-            </a:r>
-            <a:r>
-              <a:rPr lang="en-US" sz="2200" dirty="0" smtClean="0"/>
-              <a:t>Application</a:t>
+              <a:t>        Application</a:t>
             </a:r>
             <a:endParaRPr lang="en-CA" sz="2200" dirty="0"/>
           </a:p>
@@ -7059,7 +7094,7 @@
   <p:timing>
     <p:tnLst>
       <p:par>
-        <p:cTn xmlns:p14="http://schemas.microsoft.com/office/powerpoint/2010/main" id="1" dur="indefinite" restart="never" nodeType="tmRoot"/>
+        <p:cTn id="1" dur="indefinite" restart="never" nodeType="tmRoot"/>
       </p:par>
     </p:tnLst>
   </p:timing>
@@ -7138,8 +7173,30 @@
             <a:pPr lvl="1"/>
             <a:r>
               <a:rPr lang="en-US" dirty="0" smtClean="0"/>
-              <a:t>An internal app in order to receive and process requests from customers</a:t>
-            </a:r>
+              <a:t>An internal </a:t>
+            </a:r>
+            <a:r>
+              <a:rPr lang="en-US" dirty="0" smtClean="0"/>
+              <a:t>web interface to </a:t>
+            </a:r>
+            <a:r>
+              <a:rPr lang="en-US" dirty="0" smtClean="0"/>
+              <a:t>receive and process requests from customers</a:t>
+            </a:r>
+          </a:p>
+          <a:p>
+            <a:pPr marL="914400" lvl="2" indent="0">
+              <a:buNone/>
+            </a:pPr>
+            <a:r>
+              <a:rPr lang="en-US" dirty="0"/>
+              <a:t>	 WordPress/</a:t>
+            </a:r>
+            <a:r>
+              <a:rPr lang="en-US" dirty="0" err="1"/>
+              <a:t>Planyo</a:t>
+            </a:r>
+            <a:endParaRPr lang="en-US" dirty="0" smtClean="0"/>
           </a:p>
           <a:p>
             <a:pPr lvl="1"/>
@@ -7153,6 +7210,20 @@
             </a:r>
           </a:p>
           <a:p>
+            <a:pPr marL="1828800" lvl="4" indent="0">
+              <a:buNone/>
+            </a:pPr>
+            <a:r>
+              <a:rPr lang="en-US" dirty="0" err="1" smtClean="0"/>
+              <a:t>Javascript</a:t>
+            </a:r>
+            <a:r>
+              <a:rPr lang="en-US" dirty="0" smtClean="0"/>
+              <a:t>/Firebase	</a:t>
+            </a:r>
+            <a:endParaRPr lang="en-US" dirty="0" smtClean="0"/>
+          </a:p>
+          <a:p>
             <a:pPr lvl="1"/>
             <a:endParaRPr lang="en-US" dirty="0"/>
           </a:p>
@@ -7164,15 +7235,222 @@
             </a:r>
           </a:p>
           <a:p>
+            <a:pPr marL="1828800" lvl="4" indent="0">
+              <a:buNone/>
+            </a:pPr>
+            <a:endParaRPr lang="en-US" dirty="0"/>
+          </a:p>
+          <a:p>
             <a:pPr lvl="1"/>
             <a:endParaRPr lang="en-US" dirty="0"/>
           </a:p>
-          <a:p>
-            <a:pPr lvl="1"/>
-            <a:endParaRPr lang="en-US" dirty="0"/>
-          </a:p>
-        </p:txBody>
-      </p:sp>
+        </p:txBody>
+      </p:sp>
+      <p:pic>
+        <p:nvPicPr>
+          <p:cNvPr id="4" name="Picture 4" descr="http://www.pngall.com/wp-content/uploads/2016/05/WordPress-Logo-High-Quality-PNG.png"/>
+          <p:cNvPicPr>
+            <a:picLocks noChangeAspect="1" noChangeArrowheads="1"/>
+          </p:cNvPicPr>
+          <p:nvPr/>
+        </p:nvPicPr>
+        <p:blipFill>
+          <a:blip r:embed="rId2">
+            <a:extLst>
+              <a:ext uri="{28A0092B-C50C-407E-A947-70E740481C1C}">
+                <a14:useLocalDpi xmlns:a14="http://schemas.microsoft.com/office/drawing/2010/main" val="0"/>
+              </a:ext>
+            </a:extLst>
+          </a:blip>
+          <a:srcRect/>
+          <a:stretch>
+            <a:fillRect/>
+          </a:stretch>
+        </p:blipFill>
+        <p:spPr bwMode="auto">
+          <a:xfrm>
+            <a:off x="4986838" y="3391638"/>
+            <a:ext cx="1926834" cy="1445126"/>
+          </a:xfrm>
+          <a:prstGeom prst="rect">
+            <a:avLst/>
+          </a:prstGeom>
+          <a:noFill/>
+          <a:extLst>
+            <a:ext uri="{909E8E84-426E-40DD-AFC4-6F175D3DCCD1}">
+              <a14:hiddenFill xmlns:a14="http://schemas.microsoft.com/office/drawing/2010/main">
+                <a:solidFill>
+                  <a:srgbClr val="FFFFFF"/>
+                </a:solidFill>
+              </a14:hiddenFill>
+            </a:ext>
+          </a:extLst>
+        </p:spPr>
+      </p:pic>
+      <p:pic>
+        <p:nvPicPr>
+          <p:cNvPr id="5" name="Picture 6" descr="http://apk-dl.com/detail/image/com.xtreeme.planyo.app-w250.png"/>
+          <p:cNvPicPr>
+            <a:picLocks noChangeAspect="1" noChangeArrowheads="1"/>
+          </p:cNvPicPr>
+          <p:nvPr/>
+        </p:nvPicPr>
+        <p:blipFill>
+          <a:blip r:embed="rId3">
+            <a:extLst>
+              <a:ext uri="{28A0092B-C50C-407E-A947-70E740481C1C}">
+                <a14:useLocalDpi xmlns:a14="http://schemas.microsoft.com/office/drawing/2010/main" val="0"/>
+              </a:ext>
+            </a:extLst>
+          </a:blip>
+          <a:srcRect/>
+          <a:stretch>
+            <a:fillRect/>
+          </a:stretch>
+        </p:blipFill>
+        <p:spPr bwMode="auto">
+          <a:xfrm>
+            <a:off x="7221594" y="3893820"/>
+            <a:ext cx="440761" cy="440761"/>
+          </a:xfrm>
+          <a:prstGeom prst="rect">
+            <a:avLst/>
+          </a:prstGeom>
+          <a:noFill/>
+          <a:extLst>
+            <a:ext uri="{909E8E84-426E-40DD-AFC4-6F175D3DCCD1}">
+              <a14:hiddenFill xmlns:a14="http://schemas.microsoft.com/office/drawing/2010/main">
+                <a:solidFill>
+                  <a:srgbClr val="FFFFFF"/>
+                </a:solidFill>
+              </a14:hiddenFill>
+            </a:ext>
+          </a:extLst>
+        </p:spPr>
+      </p:pic>
+      <p:pic>
+        <p:nvPicPr>
+          <p:cNvPr id="2052" name="Picture 4" descr="http://cdn01.androidauthority.net/wp-content/uploads/2015/08/marshmallow.png"/>
+          <p:cNvPicPr>
+            <a:picLocks noChangeAspect="1" noChangeArrowheads="1"/>
+          </p:cNvPicPr>
+          <p:nvPr/>
+        </p:nvPicPr>
+        <p:blipFill>
+          <a:blip r:embed="rId4">
+            <a:extLst>
+              <a:ext uri="{28A0092B-C50C-407E-A947-70E740481C1C}">
+                <a14:useLocalDpi xmlns:a14="http://schemas.microsoft.com/office/drawing/2010/main" val="0"/>
+              </a:ext>
+            </a:extLst>
+          </a:blip>
+          <a:srcRect/>
+          <a:stretch>
+            <a:fillRect/>
+          </a:stretch>
+        </p:blipFill>
+        <p:spPr bwMode="auto">
+          <a:xfrm>
+            <a:off x="3688019" y="5344732"/>
+            <a:ext cx="722492" cy="722492"/>
+          </a:xfrm>
+          <a:prstGeom prst="rect">
+            <a:avLst/>
+          </a:prstGeom>
+          <a:noFill/>
+          <a:extLst>
+            <a:ext uri="{909E8E84-426E-40DD-AFC4-6F175D3DCCD1}">
+              <a14:hiddenFill xmlns:a14="http://schemas.microsoft.com/office/drawing/2010/main">
+                <a:solidFill>
+                  <a:srgbClr val="FFFFFF"/>
+                </a:solidFill>
+              </a14:hiddenFill>
+            </a:ext>
+          </a:extLst>
+        </p:spPr>
+      </p:pic>
+      <p:pic>
+        <p:nvPicPr>
+          <p:cNvPr id="8" name="Picture 2" descr="http://www.programwitherik.com/content/images/2015/06/Firebase.png"/>
+          <p:cNvPicPr>
+            <a:picLocks noChangeAspect="1" noChangeArrowheads="1"/>
+          </p:cNvPicPr>
+          <p:nvPr/>
+        </p:nvPicPr>
+        <p:blipFill>
+          <a:blip r:embed="rId5">
+            <a:extLst>
+              <a:ext uri="{28A0092B-C50C-407E-A947-70E740481C1C}">
+                <a14:useLocalDpi xmlns:a14="http://schemas.microsoft.com/office/drawing/2010/main" val="0"/>
+              </a:ext>
+            </a:extLst>
+          </a:blip>
+          <a:srcRect/>
+          <a:stretch>
+            <a:fillRect/>
+          </a:stretch>
+        </p:blipFill>
+        <p:spPr bwMode="auto">
+          <a:xfrm>
+            <a:off x="5657975" y="4680708"/>
+            <a:ext cx="2004380" cy="1002190"/>
+          </a:xfrm>
+          <a:prstGeom prst="rect">
+            <a:avLst/>
+          </a:prstGeom>
+          <a:noFill/>
+          <a:extLst>
+            <a:ext uri="{909E8E84-426E-40dd-AFC4-6F175D3DCCD1}">
+              <a14:hiddenFill xmlns:a14="http://schemas.microsoft.com/office/drawing/2010/main" xmlns="">
+                <a:solidFill>
+                  <a:srgbClr val="FFFFFF"/>
+                </a:solidFill>
+              </a14:hiddenFill>
+            </a:ext>
+          </a:extLst>
+        </p:spPr>
+      </p:pic>
+      <p:pic>
+        <p:nvPicPr>
+          <p:cNvPr id="2054" name="Picture 6" descr="http://www.mrpatel.net/IMAGES/JavaScript.png"/>
+          <p:cNvPicPr>
+            <a:picLocks noChangeAspect="1" noChangeArrowheads="1"/>
+          </p:cNvPicPr>
+          <p:nvPr/>
+        </p:nvPicPr>
+        <p:blipFill>
+          <a:blip r:embed="rId6">
+            <a:extLst>
+              <a:ext uri="{28A0092B-C50C-407E-A947-70E740481C1C}">
+                <a14:useLocalDpi xmlns:a14="http://schemas.microsoft.com/office/drawing/2010/main" val="0"/>
+              </a:ext>
+            </a:extLst>
+          </a:blip>
+          <a:srcRect/>
+          <a:stretch>
+            <a:fillRect/>
+          </a:stretch>
+        </p:blipFill>
+        <p:spPr bwMode="auto">
+          <a:xfrm>
+            <a:off x="4885860" y="4913700"/>
+            <a:ext cx="592766" cy="592766"/>
+          </a:xfrm>
+          <a:prstGeom prst="rect">
+            <a:avLst/>
+          </a:prstGeom>
+          <a:noFill/>
+          <a:extLst>
+            <a:ext uri="{909E8E84-426E-40DD-AFC4-6F175D3DCCD1}">
+              <a14:hiddenFill xmlns:a14="http://schemas.microsoft.com/office/drawing/2010/main">
+                <a:solidFill>
+                  <a:srgbClr val="FFFFFF"/>
+                </a:solidFill>
+              </a14:hiddenFill>
+            </a:ext>
+          </a:extLst>
+        </p:spPr>
+      </p:pic>
     </p:spTree>
     <p:extLst>
       <p:ext uri="{BB962C8B-B14F-4D97-AF65-F5344CB8AC3E}">
@@ -7186,7 +7464,7 @@
   <p:timing>
     <p:tnLst>
       <p:par>
-        <p:cTn xmlns:p14="http://schemas.microsoft.com/office/powerpoint/2010/main" id="1" dur="indefinite" restart="never" nodeType="tmRoot"/>
+        <p:cTn id="1" dur="indefinite" restart="never" nodeType="tmRoot"/>
       </p:par>
     </p:tnLst>
   </p:timing>
@@ -7257,11 +7535,7 @@
             </a:pPr>
             <a:r>
               <a:rPr lang="en-US" sz="6000" dirty="0" smtClean="0"/>
-              <a:t>Q </a:t>
-            </a:r>
-            <a:r>
-              <a:rPr lang="en-US" sz="6000" dirty="0" smtClean="0"/>
-              <a:t>&amp; A</a:t>
+              <a:t>Q &amp; A</a:t>
             </a:r>
             <a:endParaRPr lang="en-CA" sz="6000" dirty="0"/>
           </a:p>
@@ -7280,7 +7554,7 @@
   <p:timing>
     <p:tnLst>
       <p:par>
-        <p:cTn xmlns:p14="http://schemas.microsoft.com/office/powerpoint/2010/main" id="1" dur="indefinite" restart="never" nodeType="tmRoot"/>
+        <p:cTn id="1" dur="indefinite" restart="never" nodeType="tmRoot"/>
       </p:par>
     </p:tnLst>
   </p:timing>
@@ -7551,7 +7825,7 @@
   <a:extraClrSchemeLst/>
   <a:extLst>
     <a:ext uri="{05A4C25C-085E-4340-85A3-A5531E510DB2}">
-      <thm15:themeFamily xmlns="" xmlns:thm15="http://schemas.microsoft.com/office/thememl/2012/main" name="Vapor Trail" id="{4FDF2955-7D9C-493C-B9F9-C205151B46CD}" vid="{2B2A868B-6BC2-4B3E-98B9-1258F41035DE}"/>
+      <thm15:themeFamily xmlns:thm15="http://schemas.microsoft.com/office/thememl/2012/main" name="Vapor Trail" id="{4FDF2955-7D9C-493C-B9F9-C205151B46CD}" vid="{2B2A868B-6BC2-4B3E-98B9-1258F41035DE}"/>
     </a:ext>
   </a:extLst>
 </a:theme>

--- a/presentation/Personalize Your Flat (mac).pptx
+++ b/presentation/Personalize Your Flat (mac).pptx
@@ -5724,7 +5724,11 @@
           <a:p>
             <a:r>
               <a:rPr lang="en-CA" dirty="0" smtClean="0"/>
-              <a:t>Because traveling </a:t>
+              <a:t>Because </a:t>
+            </a:r>
+            <a:r>
+              <a:rPr lang="en-CA" dirty="0" smtClean="0"/>
+              <a:t>travelling </a:t>
             </a:r>
             <a:r>
               <a:rPr lang="en-CA" dirty="0"/>
@@ -6449,6 +6453,13 @@
   <p:clrMapOvr>
     <a:masterClrMapping/>
   </p:clrMapOvr>
+  <p:timing>
+    <p:tnLst>
+      <p:par>
+        <p:cTn id="1" dur="indefinite" restart="never" nodeType="tmRoot"/>
+      </p:par>
+    </p:tnLst>
+  </p:timing>
 </p:sld>
 </file>
 

--- a/presentation/Personalize Your Flat (mac).pptx
+++ b/presentation/Personalize Your Flat (mac).pptx
@@ -5724,11 +5724,7 @@
           <a:p>
             <a:r>
               <a:rPr lang="en-CA" dirty="0" smtClean="0"/>
-              <a:t>Because </a:t>
-            </a:r>
-            <a:r>
-              <a:rPr lang="en-CA" dirty="0" smtClean="0"/>
-              <a:t>travelling </a:t>
+              <a:t>Because travelling </a:t>
             </a:r>
             <a:r>
               <a:rPr lang="en-CA" dirty="0"/>
@@ -5742,6 +5738,36 @@
           </a:p>
         </p:txBody>
       </p:sp>
+      <p:pic>
+        <p:nvPicPr>
+          <p:cNvPr id="4" name="Picture 3"/>
+          <p:cNvPicPr>
+            <a:picLocks noChangeAspect="1"/>
+          </p:cNvPicPr>
+          <p:nvPr/>
+        </p:nvPicPr>
+        <p:blipFill>
+          <a:blip r:embed="rId2">
+            <a:extLst>
+              <a:ext uri="{28A0092B-C50C-407E-A947-70E740481C1C}">
+                <a14:useLocalDpi xmlns:a14="http://schemas.microsoft.com/office/drawing/2010/main" val="0"/>
+              </a:ext>
+            </a:extLst>
+          </a:blip>
+          <a:stretch>
+            <a:fillRect/>
+          </a:stretch>
+        </p:blipFill>
+        <p:spPr>
+          <a:xfrm>
+            <a:off x="8602846" y="381836"/>
+            <a:ext cx="2217554" cy="2217554"/>
+          </a:xfrm>
+          <a:prstGeom prst="rect">
+            <a:avLst/>
+          </a:prstGeom>
+        </p:spPr>
+      </p:pic>
     </p:spTree>
     <p:extLst>
       <p:ext uri="{BB962C8B-B14F-4D97-AF65-F5344CB8AC3E}">
@@ -6700,11 +6726,7 @@
             </a:r>
             <a:r>
               <a:rPr lang="en-US" sz="2200" dirty="0" smtClean="0"/>
-              <a:t>	</a:t>
-            </a:r>
-            <a:r>
-              <a:rPr lang="en-US" sz="2200" dirty="0" smtClean="0"/>
-              <a:t>	</a:t>
+              <a:t>		</a:t>
             </a:r>
           </a:p>
           <a:p>
@@ -6810,7 +6832,7 @@
           <a:noFill/>
           <a:extLst>
             <a:ext uri="{909E8E84-426E-40dd-AFC4-6F175D3DCCD1}">
-              <a14:hiddenFill xmlns:a14="http://schemas.microsoft.com/office/drawing/2010/main" xmlns="">
+              <a14:hiddenFill xmlns="" xmlns:a14="http://schemas.microsoft.com/office/drawing/2010/main">
                 <a:solidFill>
                   <a:srgbClr val="FFFFFF"/>
                 </a:solidFill>
@@ -7184,15 +7206,7 @@
             <a:pPr lvl="1"/>
             <a:r>
               <a:rPr lang="en-US" dirty="0" smtClean="0"/>
-              <a:t>An internal </a:t>
-            </a:r>
-            <a:r>
-              <a:rPr lang="en-US" dirty="0" smtClean="0"/>
-              <a:t>web interface to </a:t>
-            </a:r>
-            <a:r>
-              <a:rPr lang="en-US" dirty="0" smtClean="0"/>
-              <a:t>receive and process requests from customers</a:t>
+              <a:t>An internal web interface to receive and process requests from customers</a:t>
             </a:r>
           </a:p>
           <a:p>
@@ -7232,7 +7246,6 @@
               <a:rPr lang="en-US" dirty="0" smtClean="0"/>
               <a:t>/Firebase	</a:t>
             </a:r>
-            <a:endParaRPr lang="en-US" dirty="0" smtClean="0"/>
           </a:p>
           <a:p>
             <a:pPr lvl="1"/>
@@ -7412,7 +7425,7 @@
           <a:noFill/>
           <a:extLst>
             <a:ext uri="{909E8E84-426E-40dd-AFC4-6F175D3DCCD1}">
-              <a14:hiddenFill xmlns:a14="http://schemas.microsoft.com/office/drawing/2010/main" xmlns="">
+              <a14:hiddenFill xmlns="" xmlns:a14="http://schemas.microsoft.com/office/drawing/2010/main">
                 <a:solidFill>
                   <a:srgbClr val="FFFFFF"/>
                 </a:solidFill>
